--- a/05_lecture/rmarkdown.pptx
+++ b/05_lecture/rmarkdown.pptx
@@ -144,7 +144,7 @@
   <pc:docChgLst>
     <pc:chgData name="progy@student.ubc.ca" userId="56f86fe1-3ca7-44f1-b5cb-0a7428b9dafc" providerId="ADAL" clId="{EA870525-6AB6-4F1F-A62C-51833512E82B}"/>
     <pc:docChg chg="undo custSel addSld delSld modSld sldOrd">
-      <pc:chgData name="progy@student.ubc.ca" userId="56f86fe1-3ca7-44f1-b5cb-0a7428b9dafc" providerId="ADAL" clId="{EA870525-6AB6-4F1F-A62C-51833512E82B}" dt="2024-09-11T19:41:07.270" v="2465" actId="1076"/>
+      <pc:chgData name="progy@student.ubc.ca" userId="56f86fe1-3ca7-44f1-b5cb-0a7428b9dafc" providerId="ADAL" clId="{EA870525-6AB6-4F1F-A62C-51833512E82B}" dt="2024-09-12T13:42:23.932" v="2470" actId="20577"/>
       <pc:docMkLst>
         <pc:docMk/>
       </pc:docMkLst>
@@ -632,7 +632,7 @@
         </pc:picChg>
       </pc:sldChg>
       <pc:sldChg chg="addSp delSp modSp add mod setBg modNotesTx">
-        <pc:chgData name="progy@student.ubc.ca" userId="56f86fe1-3ca7-44f1-b5cb-0a7428b9dafc" providerId="ADAL" clId="{EA870525-6AB6-4F1F-A62C-51833512E82B}" dt="2024-09-11T14:40:57.164" v="2339"/>
+        <pc:chgData name="progy@student.ubc.ca" userId="56f86fe1-3ca7-44f1-b5cb-0a7428b9dafc" providerId="ADAL" clId="{EA870525-6AB6-4F1F-A62C-51833512E82B}" dt="2024-09-12T13:42:23.932" v="2470" actId="20577"/>
         <pc:sldMkLst>
           <pc:docMk/>
           <pc:sldMk cId="1370693453" sldId="269"/>
@@ -646,7 +646,7 @@
           </ac:spMkLst>
         </pc:spChg>
         <pc:spChg chg="mod ord">
-          <ac:chgData name="progy@student.ubc.ca" userId="56f86fe1-3ca7-44f1-b5cb-0a7428b9dafc" providerId="ADAL" clId="{EA870525-6AB6-4F1F-A62C-51833512E82B}" dt="2024-09-11T14:40:19.704" v="2337" actId="20577"/>
+          <ac:chgData name="progy@student.ubc.ca" userId="56f86fe1-3ca7-44f1-b5cb-0a7428b9dafc" providerId="ADAL" clId="{EA870525-6AB6-4F1F-A62C-51833512E82B}" dt="2024-09-12T13:42:23.932" v="2470" actId="20577"/>
           <ac:spMkLst>
             <pc:docMk/>
             <pc:sldMk cId="1370693453" sldId="269"/>
@@ -1052,7 +1052,7 @@
           <a:p>
             <a:fld id="{BBC05F07-F38B-426A-B559-F9ACB7066495}" type="datetimeFigureOut">
               <a:rPr lang="en-CA" smtClean="0"/>
-              <a:t>2024-09-11</a:t>
+              <a:t>2024-09-12</a:t>
             </a:fld>
             <a:endParaRPr lang="en-CA"/>
           </a:p>
@@ -2156,7 +2156,7 @@
           <a:p>
             <a:fld id="{F463AE11-C48B-41BE-8717-423D3DE6FF27}" type="datetimeFigureOut">
               <a:rPr lang="en-CA" smtClean="0"/>
-              <a:t>2024-09-11</a:t>
+              <a:t>2024-09-12</a:t>
             </a:fld>
             <a:endParaRPr lang="en-CA"/>
           </a:p>
@@ -2356,7 +2356,7 @@
           <a:p>
             <a:fld id="{F463AE11-C48B-41BE-8717-423D3DE6FF27}" type="datetimeFigureOut">
               <a:rPr lang="en-CA" smtClean="0"/>
-              <a:t>2024-09-11</a:t>
+              <a:t>2024-09-12</a:t>
             </a:fld>
             <a:endParaRPr lang="en-CA"/>
           </a:p>
@@ -2566,7 +2566,7 @@
           <a:p>
             <a:fld id="{F463AE11-C48B-41BE-8717-423D3DE6FF27}" type="datetimeFigureOut">
               <a:rPr lang="en-CA" smtClean="0"/>
-              <a:t>2024-09-11</a:t>
+              <a:t>2024-09-12</a:t>
             </a:fld>
             <a:endParaRPr lang="en-CA"/>
           </a:p>
@@ -2766,7 +2766,7 @@
           <a:p>
             <a:fld id="{F463AE11-C48B-41BE-8717-423D3DE6FF27}" type="datetimeFigureOut">
               <a:rPr lang="en-CA" smtClean="0"/>
-              <a:t>2024-09-11</a:t>
+              <a:t>2024-09-12</a:t>
             </a:fld>
             <a:endParaRPr lang="en-CA"/>
           </a:p>
@@ -3042,7 +3042,7 @@
           <a:p>
             <a:fld id="{F463AE11-C48B-41BE-8717-423D3DE6FF27}" type="datetimeFigureOut">
               <a:rPr lang="en-CA" smtClean="0"/>
-              <a:t>2024-09-11</a:t>
+              <a:t>2024-09-12</a:t>
             </a:fld>
             <a:endParaRPr lang="en-CA"/>
           </a:p>
@@ -3310,7 +3310,7 @@
           <a:p>
             <a:fld id="{F463AE11-C48B-41BE-8717-423D3DE6FF27}" type="datetimeFigureOut">
               <a:rPr lang="en-CA" smtClean="0"/>
-              <a:t>2024-09-11</a:t>
+              <a:t>2024-09-12</a:t>
             </a:fld>
             <a:endParaRPr lang="en-CA"/>
           </a:p>
@@ -3725,7 +3725,7 @@
           <a:p>
             <a:fld id="{F463AE11-C48B-41BE-8717-423D3DE6FF27}" type="datetimeFigureOut">
               <a:rPr lang="en-CA" smtClean="0"/>
-              <a:t>2024-09-11</a:t>
+              <a:t>2024-09-12</a:t>
             </a:fld>
             <a:endParaRPr lang="en-CA"/>
           </a:p>
@@ -3867,7 +3867,7 @@
           <a:p>
             <a:fld id="{F463AE11-C48B-41BE-8717-423D3DE6FF27}" type="datetimeFigureOut">
               <a:rPr lang="en-CA" smtClean="0"/>
-              <a:t>2024-09-11</a:t>
+              <a:t>2024-09-12</a:t>
             </a:fld>
             <a:endParaRPr lang="en-CA"/>
           </a:p>
@@ -3980,7 +3980,7 @@
           <a:p>
             <a:fld id="{F463AE11-C48B-41BE-8717-423D3DE6FF27}" type="datetimeFigureOut">
               <a:rPr lang="en-CA" smtClean="0"/>
-              <a:t>2024-09-11</a:t>
+              <a:t>2024-09-12</a:t>
             </a:fld>
             <a:endParaRPr lang="en-CA"/>
           </a:p>
@@ -4293,7 +4293,7 @@
           <a:p>
             <a:fld id="{F463AE11-C48B-41BE-8717-423D3DE6FF27}" type="datetimeFigureOut">
               <a:rPr lang="en-CA" smtClean="0"/>
-              <a:t>2024-09-11</a:t>
+              <a:t>2024-09-12</a:t>
             </a:fld>
             <a:endParaRPr lang="en-CA"/>
           </a:p>
@@ -4582,7 +4582,7 @@
           <a:p>
             <a:fld id="{F463AE11-C48B-41BE-8717-423D3DE6FF27}" type="datetimeFigureOut">
               <a:rPr lang="en-CA" smtClean="0"/>
-              <a:t>2024-09-11</a:t>
+              <a:t>2024-09-12</a:t>
             </a:fld>
             <a:endParaRPr lang="en-CA"/>
           </a:p>
@@ -4825,7 +4825,7 @@
           <a:p>
             <a:fld id="{F463AE11-C48B-41BE-8717-423D3DE6FF27}" type="datetimeFigureOut">
               <a:rPr lang="en-CA" smtClean="0"/>
-              <a:t>2024-09-11</a:t>
+              <a:t>2024-09-12</a:t>
             </a:fld>
             <a:endParaRPr lang="en-CA"/>
           </a:p>
@@ -6378,12 +6378,8 @@
           </a:p>
           <a:p>
             <a:r>
-              <a:rPr lang="fr-CA" dirty="0"/>
-              <a:t>Google Drive but </a:t>
-            </a:r>
-            <a:r>
               <a:rPr lang="fr-CA" dirty="0" err="1"/>
-              <a:t>same</a:t>
+              <a:t>Same</a:t>
             </a:r>
             <a:r>
               <a:rPr lang="fr-CA" dirty="0"/>
